--- a/124/NMOP/draft-ietf-nmop-yang-message-broker-integration-09-telemetry-message-03.pptx
+++ b/124/NMOP/draft-ietf-nmop-yang-message-broker-integration-09-telemetry-message-03.pptx
@@ -130,12 +130,37 @@
 <p1510:revInfo xmlns:a="http://schemas.openxmlformats.org/drawingml/2006/main" xmlns:r="http://schemas.openxmlformats.org/officeDocument/2006/relationships" xmlns:p1510="http://schemas.microsoft.com/office/powerpoint/2015/10/main">
   <p1510:revLst>
     <p1510:client id="{1BAAA70E-921F-47F1-8CE8-3DD05F71A227}" v="72" dt="2025-10-28T10:16:26.684"/>
+    <p1510:client id="{B7E9E866-497E-4D88-936B-C586A2280E44}" v="1" dt="2025-10-28T10:21:02.129"/>
   </p1510:revLst>
 </p1510:revInfo>
 </file>
 
 <file path=ppt/changesInfos/changesInfo1.xml><?xml version="1.0" encoding="utf-8"?>
 <pc:chgInfo xmlns:a="http://schemas.openxmlformats.org/drawingml/2006/main" xmlns:r="http://schemas.openxmlformats.org/officeDocument/2006/relationships" xmlns:ac="http://schemas.microsoft.com/office/drawing/2013/main/command" xmlns:pc="http://schemas.microsoft.com/office/powerpoint/2013/main/command">
+  <pc:docChgLst>
+    <pc:chgData name="Graf Thomas, SCS-INI-NET-VNC-E2E" userId="487bc3e3-9ce7-4cdd-b7b4-8899ea88d289" providerId="ADAL" clId="{B7E9E866-497E-4D88-936B-C586A2280E44}"/>
+    <pc:docChg chg="modSld">
+      <pc:chgData name="Graf Thomas, SCS-INI-NET-VNC-E2E" userId="487bc3e3-9ce7-4cdd-b7b4-8899ea88d289" providerId="ADAL" clId="{B7E9E866-497E-4D88-936B-C586A2280E44}" dt="2025-10-28T10:22:07.513" v="88" actId="20577"/>
+      <pc:docMkLst>
+        <pc:docMk/>
+      </pc:docMkLst>
+      <pc:sldChg chg="modSp mod">
+        <pc:chgData name="Graf Thomas, SCS-INI-NET-VNC-E2E" userId="487bc3e3-9ce7-4cdd-b7b4-8899ea88d289" providerId="ADAL" clId="{B7E9E866-497E-4D88-936B-C586A2280E44}" dt="2025-10-28T10:22:07.513" v="88" actId="20577"/>
+        <pc:sldMkLst>
+          <pc:docMk/>
+          <pc:sldMk cId="2617504443" sldId="2145706242"/>
+        </pc:sldMkLst>
+        <pc:spChg chg="mod">
+          <ac:chgData name="Graf Thomas, SCS-INI-NET-VNC-E2E" userId="487bc3e3-9ce7-4cdd-b7b4-8899ea88d289" providerId="ADAL" clId="{B7E9E866-497E-4D88-936B-C586A2280E44}" dt="2025-10-28T10:22:07.513" v="88" actId="20577"/>
+          <ac:spMkLst>
+            <pc:docMk/>
+            <pc:sldMk cId="2617504443" sldId="2145706242"/>
+            <ac:spMk id="3" creationId="{29C0DFD4-432D-4B0C-93DF-790441DCF5B9}"/>
+          </ac:spMkLst>
+        </pc:spChg>
+      </pc:sldChg>
+    </pc:docChg>
+  </pc:docChgLst>
   <pc:docChgLst>
     <pc:chgData name="Graf Thomas, SCS-INI-NET-VNC-E2E" userId="487bc3e3-9ce7-4cdd-b7b4-8899ea88d289" providerId="ADAL" clId="{1BAAA70E-921F-47F1-8CE8-3DD05F71A227}"/>
     <pc:docChg chg="undo custSel addSld delSld modSld">
@@ -6276,20 +6301,386 @@
               <a:buChar char="Ø"/>
             </a:pPr>
             <a:r>
-              <a:rPr lang="en-US" sz="1800" b="1" dirty="0">
+              <a:rPr lang="de-CH" sz="1800" b="1" dirty="0">
                 <a:solidFill>
                   <a:srgbClr val="FF0000"/>
                 </a:solidFill>
                 <a:latin typeface="Calibri Body"/>
               </a:rPr>
-              <a:t>We like to hear from the working group wherever references to the following documents would help or other if you have other proposals.</a:t>
+              <a:t>The </a:t>
+            </a:r>
+            <a:r>
+              <a:rPr lang="de-CH" sz="1800" b="1" dirty="0" err="1">
+                <a:solidFill>
+                  <a:srgbClr val="FF0000"/>
+                </a:solidFill>
+                <a:latin typeface="Calibri Body"/>
+              </a:rPr>
+              <a:t>authors</a:t>
+            </a:r>
+            <a:r>
+              <a:rPr lang="de-CH" sz="1800" b="1" dirty="0">
+                <a:solidFill>
+                  <a:srgbClr val="FF0000"/>
+                </a:solidFill>
+                <a:latin typeface="Calibri Body"/>
+              </a:rPr>
+              <a:t> </a:t>
+            </a:r>
+            <a:r>
+              <a:rPr lang="de-CH" sz="1800" b="1" dirty="0" err="1">
+                <a:solidFill>
+                  <a:srgbClr val="FF0000"/>
+                </a:solidFill>
+                <a:latin typeface="Calibri Body"/>
+              </a:rPr>
+              <a:t>believe</a:t>
+            </a:r>
+            <a:r>
+              <a:rPr lang="de-CH" sz="1800" b="1" dirty="0">
+                <a:solidFill>
+                  <a:srgbClr val="FF0000"/>
+                </a:solidFill>
+                <a:latin typeface="Calibri Body"/>
+              </a:rPr>
+              <a:t> </a:t>
+            </a:r>
+            <a:r>
+              <a:rPr lang="de-CH" sz="1800" b="1" dirty="0" err="1">
+                <a:solidFill>
+                  <a:srgbClr val="FF0000"/>
+                </a:solidFill>
+                <a:latin typeface="Calibri Body"/>
+              </a:rPr>
+              <a:t>that</a:t>
+            </a:r>
+            <a:r>
+              <a:rPr lang="de-CH" sz="1800" b="1" dirty="0">
+                <a:solidFill>
+                  <a:srgbClr val="FF0000"/>
+                </a:solidFill>
+                <a:latin typeface="Calibri Body"/>
+              </a:rPr>
+              <a:t> </a:t>
+            </a:r>
+            <a:r>
+              <a:rPr lang="de-CH" sz="1800" b="1" dirty="0" err="1">
+                <a:solidFill>
+                  <a:srgbClr val="FF0000"/>
+                </a:solidFill>
+                <a:latin typeface="Calibri Body"/>
+              </a:rPr>
+              <a:t>the</a:t>
+            </a:r>
+            <a:r>
+              <a:rPr lang="de-CH" sz="1800" b="1" dirty="0">
+                <a:solidFill>
+                  <a:srgbClr val="FF0000"/>
+                </a:solidFill>
+                <a:latin typeface="Calibri Body"/>
+              </a:rPr>
+              <a:t> </a:t>
+            </a:r>
+            <a:r>
+              <a:rPr lang="de-CH" sz="1800" b="1" dirty="0" err="1">
+                <a:solidFill>
+                  <a:srgbClr val="FF0000"/>
+                </a:solidFill>
+                <a:latin typeface="Calibri Body"/>
+              </a:rPr>
+              <a:t>two</a:t>
+            </a:r>
+            <a:r>
+              <a:rPr lang="de-CH" sz="1800" b="1" dirty="0">
+                <a:solidFill>
+                  <a:srgbClr val="FF0000"/>
+                </a:solidFill>
+                <a:latin typeface="Calibri Body"/>
+              </a:rPr>
+              <a:t> </a:t>
+            </a:r>
+            <a:r>
+              <a:rPr lang="de-CH" sz="1800" b="1" dirty="0" err="1">
+                <a:solidFill>
+                  <a:srgbClr val="FF0000"/>
+                </a:solidFill>
+                <a:latin typeface="Calibri Body"/>
+              </a:rPr>
+              <a:t>references</a:t>
+            </a:r>
+            <a:r>
+              <a:rPr lang="de-CH" sz="1800" b="1" dirty="0">
+                <a:solidFill>
+                  <a:srgbClr val="FF0000"/>
+                </a:solidFill>
+                <a:latin typeface="Calibri Body"/>
+              </a:rPr>
+              <a:t> </a:t>
+            </a:r>
+            <a:r>
+              <a:rPr lang="de-CH" sz="1800" b="1" dirty="0" err="1">
+                <a:solidFill>
+                  <a:srgbClr val="FF0000"/>
+                </a:solidFill>
+                <a:latin typeface="Calibri Body"/>
+              </a:rPr>
+              <a:t>would</a:t>
+            </a:r>
+            <a:r>
+              <a:rPr lang="de-CH" sz="1800" b="1" dirty="0">
+                <a:solidFill>
+                  <a:srgbClr val="FF0000"/>
+                </a:solidFill>
+                <a:latin typeface="Calibri Body"/>
+              </a:rPr>
+              <a:t> </a:t>
+            </a:r>
+            <a:r>
+              <a:rPr lang="de-CH" sz="1800" b="1" dirty="0" err="1">
+                <a:solidFill>
+                  <a:srgbClr val="FF0000"/>
+                </a:solidFill>
+                <a:latin typeface="Calibri Body"/>
+              </a:rPr>
+              <a:t>undermine</a:t>
+            </a:r>
+            <a:r>
+              <a:rPr lang="de-CH" sz="1800" b="1" dirty="0">
+                <a:solidFill>
+                  <a:srgbClr val="FF0000"/>
+                </a:solidFill>
+                <a:latin typeface="Calibri Body"/>
+              </a:rPr>
+              <a:t> </a:t>
+            </a:r>
+            <a:r>
+              <a:rPr lang="de-CH" sz="1800" b="1" dirty="0" err="1">
+                <a:solidFill>
+                  <a:srgbClr val="FF0000"/>
+                </a:solidFill>
+                <a:latin typeface="Calibri Body"/>
+              </a:rPr>
+              <a:t>the</a:t>
+            </a:r>
+            <a:r>
+              <a:rPr lang="de-CH" sz="1800" b="1" dirty="0">
+                <a:solidFill>
+                  <a:srgbClr val="FF0000"/>
+                </a:solidFill>
+                <a:latin typeface="Calibri Body"/>
+              </a:rPr>
+              <a:t> </a:t>
+            </a:r>
+            <a:r>
+              <a:rPr lang="de-CH" sz="1800" b="1" dirty="0" err="1">
+                <a:solidFill>
+                  <a:srgbClr val="FF0000"/>
+                </a:solidFill>
+                <a:latin typeface="Calibri Body"/>
+              </a:rPr>
+              <a:t>claim</a:t>
+            </a:r>
+            <a:r>
+              <a:rPr lang="de-CH" sz="1800" b="1" dirty="0">
+                <a:solidFill>
+                  <a:srgbClr val="FF0000"/>
+                </a:solidFill>
+                <a:latin typeface="Calibri Body"/>
+              </a:rPr>
+              <a:t> best. </a:t>
+            </a:r>
+            <a:r>
+              <a:rPr lang="de-CH" sz="1800" b="1" dirty="0" err="1">
+                <a:solidFill>
+                  <a:srgbClr val="FF0000"/>
+                </a:solidFill>
+                <a:latin typeface="Calibri Body"/>
+              </a:rPr>
+              <a:t>Please</a:t>
+            </a:r>
+            <a:r>
+              <a:rPr lang="de-CH" sz="1800" b="1" dirty="0">
+                <a:solidFill>
+                  <a:srgbClr val="FF0000"/>
+                </a:solidFill>
+                <a:latin typeface="Calibri Body"/>
+              </a:rPr>
+              <a:t> </a:t>
+            </a:r>
+            <a:r>
+              <a:rPr lang="de-CH" sz="1800" b="1" dirty="0" err="1">
+                <a:solidFill>
+                  <a:srgbClr val="FF0000"/>
+                </a:solidFill>
+                <a:latin typeface="Calibri Body"/>
+              </a:rPr>
+              <a:t>speak</a:t>
+            </a:r>
+            <a:r>
+              <a:rPr lang="de-CH" sz="1800" b="1" dirty="0">
+                <a:solidFill>
+                  <a:srgbClr val="FF0000"/>
+                </a:solidFill>
+                <a:latin typeface="Calibri Body"/>
+              </a:rPr>
+              <a:t> </a:t>
+            </a:r>
+            <a:r>
+              <a:rPr lang="de-CH" sz="1800" b="1" dirty="0" err="1">
+                <a:solidFill>
+                  <a:srgbClr val="FF0000"/>
+                </a:solidFill>
+                <a:latin typeface="Calibri Body"/>
+              </a:rPr>
+              <a:t>up</a:t>
+            </a:r>
+            <a:r>
+              <a:rPr lang="de-CH" sz="1800" b="1" dirty="0">
+                <a:solidFill>
+                  <a:srgbClr val="FF0000"/>
+                </a:solidFill>
+                <a:latin typeface="Calibri Body"/>
+              </a:rPr>
+              <a:t> </a:t>
+            </a:r>
+            <a:r>
+              <a:rPr lang="de-CH" sz="1800" b="1" dirty="0" err="1">
+                <a:solidFill>
+                  <a:srgbClr val="FF0000"/>
+                </a:solidFill>
+                <a:latin typeface="Calibri Body"/>
+              </a:rPr>
+              <a:t>if</a:t>
+            </a:r>
+            <a:r>
+              <a:rPr lang="de-CH" sz="1800" b="1" dirty="0">
+                <a:solidFill>
+                  <a:srgbClr val="FF0000"/>
+                </a:solidFill>
+                <a:latin typeface="Calibri Body"/>
+              </a:rPr>
+              <a:t> </a:t>
+            </a:r>
+            <a:r>
+              <a:rPr lang="de-CH" sz="1800" b="1" dirty="0" err="1">
+                <a:solidFill>
+                  <a:srgbClr val="FF0000"/>
+                </a:solidFill>
+                <a:latin typeface="Calibri Body"/>
+              </a:rPr>
+              <a:t>you</a:t>
+            </a:r>
+            <a:r>
+              <a:rPr lang="de-CH" sz="1800" b="1" dirty="0">
+                <a:solidFill>
+                  <a:srgbClr val="FF0000"/>
+                </a:solidFill>
+                <a:latin typeface="Calibri Body"/>
+              </a:rPr>
+              <a:t> </a:t>
+            </a:r>
+            <a:r>
+              <a:rPr lang="de-CH" sz="1800" b="1" dirty="0" err="1">
+                <a:solidFill>
+                  <a:srgbClr val="FF0000"/>
+                </a:solidFill>
+                <a:latin typeface="Calibri Body"/>
+              </a:rPr>
+              <a:t>disagree</a:t>
+            </a:r>
+            <a:r>
+              <a:rPr lang="de-CH" sz="1800" b="1" dirty="0">
+                <a:solidFill>
+                  <a:srgbClr val="FF0000"/>
+                </a:solidFill>
+                <a:latin typeface="Calibri Body"/>
+              </a:rPr>
+              <a:t> </a:t>
+            </a:r>
+            <a:r>
+              <a:rPr lang="de-CH" sz="1800" b="1" dirty="0" err="1">
+                <a:solidFill>
+                  <a:srgbClr val="FF0000"/>
+                </a:solidFill>
+                <a:latin typeface="Calibri Body"/>
+              </a:rPr>
+              <a:t>or</a:t>
+            </a:r>
+            <a:r>
+              <a:rPr lang="de-CH" sz="1800" b="1" dirty="0">
+                <a:solidFill>
+                  <a:srgbClr val="FF0000"/>
+                </a:solidFill>
+                <a:latin typeface="Calibri Body"/>
+              </a:rPr>
+              <a:t> </a:t>
+            </a:r>
+            <a:r>
+              <a:rPr lang="de-CH" sz="1800" b="1" dirty="0" err="1">
+                <a:solidFill>
+                  <a:srgbClr val="FF0000"/>
+                </a:solidFill>
+                <a:latin typeface="Calibri Body"/>
+              </a:rPr>
+              <a:t>have</a:t>
+            </a:r>
+            <a:r>
+              <a:rPr lang="de-CH" sz="1800" b="1" dirty="0">
+                <a:solidFill>
+                  <a:srgbClr val="FF0000"/>
+                </a:solidFill>
+                <a:latin typeface="Calibri Body"/>
+              </a:rPr>
+              <a:t> a </a:t>
+            </a:r>
+            <a:r>
+              <a:rPr lang="de-CH" sz="1800" b="1" dirty="0" err="1">
+                <a:solidFill>
+                  <a:srgbClr val="FF0000"/>
+                </a:solidFill>
+                <a:latin typeface="Calibri Body"/>
+              </a:rPr>
+              <a:t>better</a:t>
+            </a:r>
+            <a:r>
+              <a:rPr lang="de-CH" sz="1800" b="1" dirty="0">
+                <a:solidFill>
+                  <a:srgbClr val="FF0000"/>
+                </a:solidFill>
+                <a:latin typeface="Calibri Body"/>
+              </a:rPr>
+              <a:t> </a:t>
+            </a:r>
+            <a:r>
+              <a:rPr lang="de-CH" sz="1800" b="1" dirty="0" err="1">
+                <a:solidFill>
+                  <a:srgbClr val="FF0000"/>
+                </a:solidFill>
+                <a:latin typeface="Calibri Body"/>
+              </a:rPr>
+              <a:t>proposal</a:t>
+            </a:r>
+            <a:r>
+              <a:rPr lang="de-CH" sz="1800" b="1">
+                <a:solidFill>
+                  <a:srgbClr val="FF0000"/>
+                </a:solidFill>
+                <a:latin typeface="Calibri Body"/>
+              </a:rPr>
+              <a:t>.</a:t>
             </a:r>
             <a:br>
-              <a:rPr lang="en-US" sz="1800" dirty="0">
+              <a:rPr lang="de-CH" sz="1800" b="1">
+                <a:solidFill>
+                  <a:srgbClr val="FF0000"/>
+                </a:solidFill>
                 <a:latin typeface="Calibri Body"/>
               </a:rPr>
             </a:br>
-            <a:endParaRPr lang="en-US" sz="1800" dirty="0">
+            <a:endParaRPr lang="en-US" sz="1800" b="1" dirty="0">
+              <a:solidFill>
+                <a:srgbClr val="FF0000"/>
+              </a:solidFill>
               <a:latin typeface="Calibri Body"/>
             </a:endParaRPr>
           </a:p>

--- a/124/NMOP/draft-ietf-nmop-yang-message-broker-integration-09-telemetry-message-03.pptx
+++ b/124/NMOP/draft-ietf-nmop-yang-message-broker-integration-09-telemetry-message-03.pptx
@@ -554,7 +554,7 @@
           <a:p>
             <a:fld id="{E5E705E9-673F-4AC4-B29E-A7B26F3B8523}" type="datetimeFigureOut">
               <a:rPr lang="de-CH" smtClean="0"/>
-              <a:t>28.10.2025</a:t>
+              <a:t>01.11.2025</a:t>
             </a:fld>
             <a:endParaRPr lang="de-CH"/>
           </a:p>
@@ -971,7 +971,7 @@
           <a:p>
             <a:fld id="{9E9B238C-2335-4007-98C9-471C02CC43B6}" type="datetimeFigureOut">
               <a:rPr lang="de-CH" smtClean="0"/>
-              <a:t>28.10.2025</a:t>
+              <a:t>01.11.2025</a:t>
             </a:fld>
             <a:endParaRPr lang="de-CH"/>
           </a:p>
@@ -1171,7 +1171,7 @@
           <a:p>
             <a:fld id="{9E9B238C-2335-4007-98C9-471C02CC43B6}" type="datetimeFigureOut">
               <a:rPr lang="de-CH" smtClean="0"/>
-              <a:t>28.10.2025</a:t>
+              <a:t>01.11.2025</a:t>
             </a:fld>
             <a:endParaRPr lang="de-CH"/>
           </a:p>
@@ -1381,7 +1381,7 @@
           <a:p>
             <a:fld id="{9E9B238C-2335-4007-98C9-471C02CC43B6}" type="datetimeFigureOut">
               <a:rPr lang="de-CH" smtClean="0"/>
-              <a:t>28.10.2025</a:t>
+              <a:t>01.11.2025</a:t>
             </a:fld>
             <a:endParaRPr lang="de-CH"/>
           </a:p>
@@ -1581,7 +1581,7 @@
           <a:p>
             <a:fld id="{9E9B238C-2335-4007-98C9-471C02CC43B6}" type="datetimeFigureOut">
               <a:rPr lang="de-CH" smtClean="0"/>
-              <a:t>28.10.2025</a:t>
+              <a:t>01.11.2025</a:t>
             </a:fld>
             <a:endParaRPr lang="de-CH"/>
           </a:p>
@@ -1857,7 +1857,7 @@
           <a:p>
             <a:fld id="{9E9B238C-2335-4007-98C9-471C02CC43B6}" type="datetimeFigureOut">
               <a:rPr lang="de-CH" smtClean="0"/>
-              <a:t>28.10.2025</a:t>
+              <a:t>01.11.2025</a:t>
             </a:fld>
             <a:endParaRPr lang="de-CH"/>
           </a:p>
@@ -2125,7 +2125,7 @@
           <a:p>
             <a:fld id="{9E9B238C-2335-4007-98C9-471C02CC43B6}" type="datetimeFigureOut">
               <a:rPr lang="de-CH" smtClean="0"/>
-              <a:t>28.10.2025</a:t>
+              <a:t>01.11.2025</a:t>
             </a:fld>
             <a:endParaRPr lang="de-CH"/>
           </a:p>
@@ -2540,7 +2540,7 @@
           <a:p>
             <a:fld id="{9E9B238C-2335-4007-98C9-471C02CC43B6}" type="datetimeFigureOut">
               <a:rPr lang="de-CH" smtClean="0"/>
-              <a:t>28.10.2025</a:t>
+              <a:t>01.11.2025</a:t>
             </a:fld>
             <a:endParaRPr lang="de-CH"/>
           </a:p>
@@ -2682,7 +2682,7 @@
           <a:p>
             <a:fld id="{9E9B238C-2335-4007-98C9-471C02CC43B6}" type="datetimeFigureOut">
               <a:rPr lang="de-CH" smtClean="0"/>
-              <a:t>28.10.2025</a:t>
+              <a:t>01.11.2025</a:t>
             </a:fld>
             <a:endParaRPr lang="de-CH"/>
           </a:p>
@@ -2795,7 +2795,7 @@
           <a:p>
             <a:fld id="{9E9B238C-2335-4007-98C9-471C02CC43B6}" type="datetimeFigureOut">
               <a:rPr lang="de-CH" smtClean="0"/>
-              <a:t>28.10.2025</a:t>
+              <a:t>01.11.2025</a:t>
             </a:fld>
             <a:endParaRPr lang="de-CH"/>
           </a:p>
@@ -3108,7 +3108,7 @@
           <a:p>
             <a:fld id="{9E9B238C-2335-4007-98C9-471C02CC43B6}" type="datetimeFigureOut">
               <a:rPr lang="de-CH" smtClean="0"/>
-              <a:t>28.10.2025</a:t>
+              <a:t>01.11.2025</a:t>
             </a:fld>
             <a:endParaRPr lang="de-CH"/>
           </a:p>
@@ -3397,7 +3397,7 @@
           <a:p>
             <a:fld id="{9E9B238C-2335-4007-98C9-471C02CC43B6}" type="datetimeFigureOut">
               <a:rPr lang="de-CH" smtClean="0"/>
-              <a:t>28.10.2025</a:t>
+              <a:t>01.11.2025</a:t>
             </a:fld>
             <a:endParaRPr lang="de-CH"/>
           </a:p>
@@ -3640,7 +3640,7 @@
           <a:p>
             <a:fld id="{9E9B238C-2335-4007-98C9-471C02CC43B6}" type="datetimeFigureOut">
               <a:rPr lang="de-CH" smtClean="0"/>
-              <a:t>28.10.2025</a:t>
+              <a:t>01.11.2025</a:t>
             </a:fld>
             <a:endParaRPr lang="de-CH"/>
           </a:p>
@@ -4439,19 +4439,7 @@
               <a:rPr lang="de-CH" sz="1400" dirty="0">
                 <a:latin typeface="+mj-lt"/>
               </a:rPr>
-              <a:t>28. </a:t>
-            </a:r>
-            <a:r>
-              <a:rPr lang="de-CH" sz="1400" dirty="0" err="1">
-                <a:latin typeface="+mj-lt"/>
-              </a:rPr>
-              <a:t>October</a:t>
-            </a:r>
-            <a:r>
-              <a:rPr lang="de-CH" sz="1400" dirty="0">
-                <a:latin typeface="+mj-lt"/>
-              </a:rPr>
-              <a:t> </a:t>
+              <a:t>1. November </a:t>
             </a:r>
             <a:r>
               <a:rPr lang="de-CH" sz="1400" dirty="0">
@@ -6232,19 +6220,7 @@
               <a:rPr lang="en-US" sz="1800" dirty="0">
                 <a:latin typeface="Calibri Body"/>
               </a:rPr>
-              <a:t>Addressed comments from Paul </a:t>
-            </a:r>
-            <a:r>
-              <a:rPr lang="en-US" sz="1800" dirty="0" err="1">
-                <a:latin typeface="Calibri Body"/>
-              </a:rPr>
-              <a:t>Aitke</a:t>
-            </a:r>
-            <a:r>
-              <a:rPr lang="en-US" sz="1800" dirty="0">
-                <a:latin typeface="Calibri Body"/>
-              </a:rPr>
-              <a:t>. Many thanks for the review! (</a:t>
+              <a:t>Addressed comments from Paul Aitken. Many thanks for the review! (</a:t>
             </a:r>
             <a:r>
               <a:rPr lang="en-US" sz="1800" dirty="0">
@@ -6661,7 +6637,7 @@
               <a:t>proposal</a:t>
             </a:r>
             <a:r>
-              <a:rPr lang="de-CH" sz="1800" b="1">
+              <a:rPr lang="de-CH" sz="1800" b="1" dirty="0">
                 <a:solidFill>
                   <a:srgbClr val="FF0000"/>
                 </a:solidFill>
@@ -6670,7 +6646,7 @@
               <a:t>.</a:t>
             </a:r>
             <a:br>
-              <a:rPr lang="de-CH" sz="1800" b="1">
+              <a:rPr lang="de-CH" sz="1800" b="1" dirty="0">
                 <a:solidFill>
                   <a:srgbClr val="FF0000"/>
                 </a:solidFill>
@@ -7511,10 +7487,10 @@
       </p:sp>
       <p:sp>
         <p:nvSpPr>
-          <p:cNvPr id="4" name="Subtitle 4">
+          <p:cNvPr id="5" name="Subtitle 4">
             <a:extLst>
               <a:ext uri="{FF2B5EF4-FFF2-40B4-BE49-F238E27FC236}">
-                <a16:creationId xmlns:a16="http://schemas.microsoft.com/office/drawing/2014/main" id="{0E301C0F-66CA-73F9-A0FD-EA9585884704}"/>
+                <a16:creationId xmlns:a16="http://schemas.microsoft.com/office/drawing/2014/main" id="{1606C27F-46B4-B0B8-0E03-5046A811F284}"/>
               </a:ext>
             </a:extLst>
           </p:cNvPr>
@@ -7749,19 +7725,7 @@
               <a:rPr lang="de-CH" sz="1400" dirty="0">
                 <a:latin typeface="+mj-lt"/>
               </a:rPr>
-              <a:t>28. </a:t>
-            </a:r>
-            <a:r>
-              <a:rPr lang="de-CH" sz="1400" dirty="0" err="1">
-                <a:latin typeface="+mj-lt"/>
-              </a:rPr>
-              <a:t>October</a:t>
-            </a:r>
-            <a:r>
-              <a:rPr lang="de-CH" sz="1400" dirty="0">
-                <a:latin typeface="+mj-lt"/>
-              </a:rPr>
-              <a:t> </a:t>
+              <a:t>1. November </a:t>
             </a:r>
             <a:r>
               <a:rPr lang="de-CH" sz="1400" dirty="0">
@@ -7950,10 +7914,10 @@
       </p:sp>
       <p:sp>
         <p:nvSpPr>
-          <p:cNvPr id="6" name="Subtitle 4">
+          <p:cNvPr id="3" name="Subtitle 4">
             <a:extLst>
               <a:ext uri="{FF2B5EF4-FFF2-40B4-BE49-F238E27FC236}">
-                <a16:creationId xmlns:a16="http://schemas.microsoft.com/office/drawing/2014/main" id="{6CAA0765-1318-4A03-8F91-D3ECC43D8FA7}"/>
+                <a16:creationId xmlns:a16="http://schemas.microsoft.com/office/drawing/2014/main" id="{BBB844A7-7BFE-F9CE-6167-A015C4EFE812}"/>
               </a:ext>
             </a:extLst>
           </p:cNvPr>
@@ -8154,7 +8118,7 @@
               <a:t>thomas.graf@swisscom.com</a:t>
             </a:r>
             <a:br>
-              <a:rPr lang="de-CH" sz="1400" dirty="0">
+              <a:rPr lang="de-CH" sz="1400" b="1" dirty="0">
                 <a:latin typeface="+mj-lt"/>
               </a:rPr>
             </a:br>
@@ -8188,19 +8152,7 @@
               <a:rPr lang="de-CH" sz="1400" dirty="0">
                 <a:latin typeface="+mj-lt"/>
               </a:rPr>
-              <a:t>28. </a:t>
-            </a:r>
-            <a:r>
-              <a:rPr lang="de-CH" sz="1400" dirty="0" err="1">
-                <a:latin typeface="+mj-lt"/>
-              </a:rPr>
-              <a:t>October</a:t>
-            </a:r>
-            <a:r>
-              <a:rPr lang="de-CH" sz="1400" dirty="0">
-                <a:latin typeface="+mj-lt"/>
-              </a:rPr>
-              <a:t> </a:t>
+              <a:t>1. November </a:t>
             </a:r>
             <a:r>
               <a:rPr lang="de-CH" sz="1400" dirty="0">
@@ -12365,10 +12317,10 @@
       </p:sp>
       <p:sp>
         <p:nvSpPr>
-          <p:cNvPr id="4" name="Subtitle 4">
+          <p:cNvPr id="5" name="Subtitle 4">
             <a:extLst>
               <a:ext uri="{FF2B5EF4-FFF2-40B4-BE49-F238E27FC236}">
-                <a16:creationId xmlns:a16="http://schemas.microsoft.com/office/drawing/2014/main" id="{17D9D613-D281-5E22-4AF5-5EF54C849750}"/>
+                <a16:creationId xmlns:a16="http://schemas.microsoft.com/office/drawing/2014/main" id="{A417728E-F062-5B42-5709-7B4BE3EB0CF1}"/>
               </a:ext>
             </a:extLst>
           </p:cNvPr>
@@ -12569,7 +12521,7 @@
               <a:t>thomas.graf@swisscom.com</a:t>
             </a:r>
             <a:br>
-              <a:rPr lang="de-CH" sz="1400" dirty="0">
+              <a:rPr lang="de-CH" sz="1400" b="1" dirty="0">
                 <a:latin typeface="+mj-lt"/>
               </a:rPr>
             </a:br>
@@ -12600,22 +12552,10 @@
               <a:buNone/>
             </a:pPr>
             <a:r>
-              <a:rPr lang="de-CH" sz="1400">
-                <a:latin typeface="+mj-lt"/>
-              </a:rPr>
-              <a:t>28. </a:t>
-            </a:r>
-            <a:r>
-              <a:rPr lang="de-CH" sz="1400" dirty="0" err="1">
-                <a:latin typeface="+mj-lt"/>
-              </a:rPr>
-              <a:t>October</a:t>
-            </a:r>
-            <a:r>
               <a:rPr lang="de-CH" sz="1400" dirty="0">
                 <a:latin typeface="+mj-lt"/>
               </a:rPr>
-              <a:t> </a:t>
+              <a:t>1. November </a:t>
             </a:r>
             <a:r>
               <a:rPr lang="de-CH" sz="1400" dirty="0">
